--- a/CSE299 presentation/Final Presentation.pptx
+++ b/CSE299 presentation/Final Presentation.pptx
@@ -8840,8 +8840,8 @@
         </p:nvSpPr>
         <p:spPr>
           <a:xfrm>
-            <a:off x="336177" y="1302154"/>
-            <a:ext cx="4572000" cy="3656835"/>
+            <a:off x="336177" y="1293880"/>
+            <a:ext cx="4086166" cy="3359831"/>
           </a:xfrm>
           <a:prstGeom prst="rect">
             <a:avLst/>
@@ -8854,13 +8854,13 @@
           </a:bodyPr>
           <a:lstStyle/>
           <a:p>
-            <a:pPr algn="l">
+            <a:pPr algn="just">
               <a:lnSpc>
                 <a:spcPct val="150000"/>
               </a:lnSpc>
             </a:pPr>
             <a:r>
-              <a:rPr lang="en-US" sz="1200" b="1" i="0" dirty="0">
+              <a:rPr lang="en-US" sz="1100" b="1" i="0" dirty="0">
                 <a:solidFill>
                   <a:srgbClr val="1F1F1F"/>
                 </a:solidFill>
@@ -8873,7 +8873,7 @@
             </a:r>
           </a:p>
           <a:p>
-            <a:pPr algn="l">
+            <a:pPr algn="just">
               <a:lnSpc>
                 <a:spcPct val="150000"/>
               </a:lnSpc>
@@ -8881,7 +8881,7 @@
               <a:buAutoNum type="arabicPeriod"/>
             </a:pPr>
             <a:r>
-              <a:rPr lang="en-US" sz="1200" b="0" i="0" dirty="0">
+              <a:rPr lang="en-US" sz="1100" b="0" i="0" dirty="0">
                 <a:solidFill>
                   <a:srgbClr val="1F1F1F"/>
                 </a:solidFill>
@@ -8894,7 +8894,7 @@
             </a:r>
           </a:p>
           <a:p>
-            <a:pPr algn="l">
+            <a:pPr algn="just">
               <a:lnSpc>
                 <a:spcPct val="150000"/>
               </a:lnSpc>
@@ -8902,7 +8902,7 @@
               <a:buAutoNum type="arabicPeriod"/>
             </a:pPr>
             <a:r>
-              <a:rPr lang="en-US" sz="1200" b="0" i="0" dirty="0">
+              <a:rPr lang="en-US" sz="1100" b="0" i="0" dirty="0">
                 <a:solidFill>
                   <a:srgbClr val="1F1F1F"/>
                 </a:solidFill>
@@ -8915,12 +8915,12 @@
             </a:r>
           </a:p>
           <a:p>
-            <a:pPr algn="l">
+            <a:pPr algn="just">
               <a:lnSpc>
                 <a:spcPct val="150000"/>
               </a:lnSpc>
             </a:pPr>
-            <a:endParaRPr lang="en-US" sz="1200" b="0" i="0" dirty="0">
+            <a:endParaRPr lang="en-US" sz="1100" b="0" i="0" dirty="0">
               <a:solidFill>
                 <a:srgbClr val="1F1F1F"/>
               </a:solidFill>
@@ -8931,13 +8931,13 @@
             </a:endParaRPr>
           </a:p>
           <a:p>
-            <a:pPr algn="l">
+            <a:pPr algn="just">
               <a:lnSpc>
                 <a:spcPct val="150000"/>
               </a:lnSpc>
             </a:pPr>
             <a:r>
-              <a:rPr lang="en-US" sz="1200" b="1" i="0" dirty="0">
+              <a:rPr lang="en-US" sz="1100" b="1" i="0" dirty="0">
                 <a:solidFill>
                   <a:srgbClr val="1F1F1F"/>
                 </a:solidFill>
@@ -8950,7 +8950,7 @@
             </a:r>
           </a:p>
           <a:p>
-            <a:pPr algn="l">
+            <a:pPr algn="just">
               <a:lnSpc>
                 <a:spcPct val="150000"/>
               </a:lnSpc>
@@ -8958,7 +8958,7 @@
               <a:buAutoNum type="arabicPeriod"/>
             </a:pPr>
             <a:r>
-              <a:rPr lang="en-US" sz="1200" b="0" i="0" dirty="0">
+              <a:rPr lang="en-US" sz="1100" b="0" i="0" dirty="0">
                 <a:solidFill>
                   <a:srgbClr val="1F1F1F"/>
                 </a:solidFill>
@@ -8971,7 +8971,7 @@
             </a:r>
           </a:p>
           <a:p>
-            <a:pPr algn="l">
+            <a:pPr algn="just">
               <a:lnSpc>
                 <a:spcPct val="150000"/>
               </a:lnSpc>
@@ -8979,7 +8979,7 @@
               <a:buAutoNum type="arabicPeriod"/>
             </a:pPr>
             <a:r>
-              <a:rPr lang="en-US" sz="1200" b="0" i="0" dirty="0">
+              <a:rPr lang="en-US" sz="1100" b="0" i="0" dirty="0">
                 <a:solidFill>
                   <a:srgbClr val="1F1F1F"/>
                 </a:solidFill>
@@ -8992,12 +8992,12 @@
             </a:r>
           </a:p>
           <a:p>
-            <a:pPr algn="l">
+            <a:pPr algn="just">
               <a:lnSpc>
                 <a:spcPct val="150000"/>
               </a:lnSpc>
             </a:pPr>
-            <a:endParaRPr lang="en-US" sz="1200" b="0" i="0" dirty="0">
+            <a:endParaRPr lang="en-US" sz="1100" b="0" i="0" dirty="0">
               <a:solidFill>
                 <a:srgbClr val="1F1F1F"/>
               </a:solidFill>
@@ -9008,13 +9008,13 @@
             </a:endParaRPr>
           </a:p>
           <a:p>
-            <a:pPr algn="l">
+            <a:pPr algn="just">
               <a:lnSpc>
                 <a:spcPct val="150000"/>
               </a:lnSpc>
             </a:pPr>
             <a:r>
-              <a:rPr lang="en-US" sz="1200" b="1" i="0" dirty="0">
+              <a:rPr lang="en-US" sz="1100" b="1" i="0" dirty="0">
                 <a:solidFill>
                   <a:srgbClr val="1F1F1F"/>
                 </a:solidFill>
@@ -9027,7 +9027,7 @@
             </a:r>
           </a:p>
           <a:p>
-            <a:pPr algn="l">
+            <a:pPr algn="just">
               <a:lnSpc>
                 <a:spcPct val="150000"/>
               </a:lnSpc>
@@ -9035,7 +9035,7 @@
               <a:buAutoNum type="arabicPeriod"/>
             </a:pPr>
             <a:r>
-              <a:rPr lang="en-US" sz="1200" b="0" i="0" dirty="0">
+              <a:rPr lang="en-US" sz="1100" b="0" i="0" dirty="0">
                 <a:solidFill>
                   <a:srgbClr val="1F1F1F"/>
                 </a:solidFill>
@@ -9048,7 +9048,7 @@
             </a:r>
           </a:p>
           <a:p>
-            <a:pPr algn="l">
+            <a:pPr algn="just">
               <a:lnSpc>
                 <a:spcPct val="150000"/>
               </a:lnSpc>
@@ -9056,7 +9056,7 @@
               <a:buAutoNum type="arabicPeriod"/>
             </a:pPr>
             <a:r>
-              <a:rPr lang="en-US" sz="1200" b="0" i="0" dirty="0">
+              <a:rPr lang="en-US" sz="1100" b="0" i="0" dirty="0">
                 <a:solidFill>
                   <a:srgbClr val="1F1F1F"/>
                 </a:solidFill>
@@ -9943,8 +9943,8 @@
         </p:blipFill>
         <p:spPr>
           <a:xfrm>
-            <a:off x="511092" y="1832422"/>
-            <a:ext cx="3945783" cy="2123352"/>
+            <a:off x="609987" y="1964943"/>
+            <a:ext cx="3711833" cy="1855752"/>
           </a:xfrm>
           <a:prstGeom prst="rect">
             <a:avLst/>

--- a/CSE299 presentation/Final Presentation.pptx
+++ b/CSE299 presentation/Final Presentation.pptx
@@ -21,14 +21,14 @@
   <p:notesSz cx="6858000" cy="9144000"/>
   <p:embeddedFontLst>
     <p:embeddedFont>
-      <p:font typeface="Lato" panose="020F0502020204030203" pitchFamily="34" charset="0"/>
+      <p:font typeface="Lato" panose="020B0604020202020204" charset="0"/>
       <p:regular r:id="rId11"/>
       <p:bold r:id="rId12"/>
       <p:italic r:id="rId13"/>
       <p:boldItalic r:id="rId14"/>
     </p:embeddedFont>
     <p:embeddedFont>
-      <p:font typeface="Raleway" pitchFamily="2" charset="0"/>
+      <p:font typeface="Raleway" panose="020B0604020202020204" charset="0"/>
       <p:regular r:id="rId15"/>
       <p:bold r:id="rId16"/>
       <p:italic r:id="rId17"/>
@@ -9719,36 +9719,6 @@
       </p:sp>
       <p:pic>
         <p:nvPicPr>
-          <p:cNvPr id="6" name="Picture 5">
-            <a:extLst>
-              <a:ext uri="{FF2B5EF4-FFF2-40B4-BE49-F238E27FC236}">
-                <a16:creationId xmlns:a16="http://schemas.microsoft.com/office/drawing/2014/main" id="{1C6228B0-9583-5B5B-5C2A-F5BC9033D4DE}"/>
-              </a:ext>
-            </a:extLst>
-          </p:cNvPr>
-          <p:cNvPicPr>
-            <a:picLocks noChangeAspect="1"/>
-          </p:cNvPicPr>
-          <p:nvPr/>
-        </p:nvPicPr>
-        <p:blipFill>
-          <a:blip r:embed="rId3"/>
-          <a:stretch>
-            <a:fillRect/>
-          </a:stretch>
-        </p:blipFill>
-        <p:spPr>
-          <a:xfrm>
-            <a:off x="1781381" y="1500809"/>
-            <a:ext cx="5819775" cy="1866900"/>
-          </a:xfrm>
-          <a:prstGeom prst="rect">
-            <a:avLst/>
-          </a:prstGeom>
-        </p:spPr>
-      </p:pic>
-      <p:pic>
-        <p:nvPicPr>
           <p:cNvPr id="10" name="Picture 9">
             <a:extLst>
               <a:ext uri="{FF2B5EF4-FFF2-40B4-BE49-F238E27FC236}">
@@ -9762,13 +9732,13 @@
           <p:nvPr/>
         </p:nvPicPr>
         <p:blipFill rotWithShape="1">
-          <a:blip r:embed="rId4"/>
+          <a:blip r:embed="rId3"/>
           <a:srcRect t="5710" r="17257" b="12253"/>
           <a:stretch/>
         </p:blipFill>
         <p:spPr>
           <a:xfrm>
-            <a:off x="314533" y="3419060"/>
+            <a:off x="185946" y="3639953"/>
             <a:ext cx="3497788" cy="1170645"/>
           </a:xfrm>
           <a:prstGeom prst="rect">
@@ -9796,14 +9766,14 @@
           <p:nvPr/>
         </p:nvPicPr>
         <p:blipFill>
-          <a:blip r:embed="rId5"/>
+          <a:blip r:embed="rId4"/>
           <a:stretch>
             <a:fillRect/>
           </a:stretch>
         </p:blipFill>
         <p:spPr>
           <a:xfrm>
-            <a:off x="4106639" y="3378320"/>
+            <a:off x="4042345" y="3639953"/>
             <a:ext cx="2356592" cy="1252124"/>
           </a:xfrm>
           <a:prstGeom prst="rect">
@@ -9831,13 +9801,13 @@
           <p:nvPr/>
         </p:nvPicPr>
         <p:blipFill rotWithShape="1">
-          <a:blip r:embed="rId6"/>
+          <a:blip r:embed="rId5"/>
           <a:srcRect l="33915" r="1253" b="9023"/>
           <a:stretch/>
         </p:blipFill>
         <p:spPr>
           <a:xfrm>
-            <a:off x="6757549" y="3560433"/>
+            <a:off x="6650393" y="3700503"/>
             <a:ext cx="2056364" cy="887897"/>
           </a:xfrm>
           <a:prstGeom prst="rect">
@@ -9850,6 +9820,362 @@
           </a:ln>
         </p:spPr>
       </p:pic>
+      <p:graphicFrame>
+        <p:nvGraphicFramePr>
+          <p:cNvPr id="2" name="Table 1">
+            <a:extLst>
+              <a:ext uri="{FF2B5EF4-FFF2-40B4-BE49-F238E27FC236}">
+                <a16:creationId xmlns:a16="http://schemas.microsoft.com/office/drawing/2014/main" id="{6AA7D352-6021-4161-AA3A-8F02A113236A}"/>
+              </a:ext>
+            </a:extLst>
+          </p:cNvPr>
+          <p:cNvGraphicFramePr>
+            <a:graphicFrameLocks noGrp="1"/>
+          </p:cNvGraphicFramePr>
+          <p:nvPr>
+            <p:extLst>
+              <p:ext uri="{D42A27DB-BD31-4B8C-83A1-F6EECF244321}">
+                <p14:modId xmlns:p14="http://schemas.microsoft.com/office/powerpoint/2010/main" val="3514016780"/>
+              </p:ext>
+            </p:extLst>
+          </p:nvPr>
+        </p:nvGraphicFramePr>
+        <p:xfrm>
+          <a:off x="1849115" y="1309183"/>
+          <a:ext cx="4665984" cy="2198397"/>
+        </p:xfrm>
+        <a:graphic>
+          <a:graphicData uri="http://schemas.openxmlformats.org/drawingml/2006/table">
+            <a:tbl>
+              <a:tblPr firstRow="1" bandRow="1">
+                <a:tableStyleId>{44A251D8-AB74-4772-9267-0778F2BA4185}</a:tableStyleId>
+              </a:tblPr>
+              <a:tblGrid>
+                <a:gridCol w="1555328">
+                  <a:extLst>
+                    <a:ext uri="{9D8B030D-6E8A-4147-A177-3AD203B41FA5}">
+                      <a16:colId xmlns:a16="http://schemas.microsoft.com/office/drawing/2014/main" val="853445881"/>
+                    </a:ext>
+                  </a:extLst>
+                </a:gridCol>
+                <a:gridCol w="1555328">
+                  <a:extLst>
+                    <a:ext uri="{9D8B030D-6E8A-4147-A177-3AD203B41FA5}">
+                      <a16:colId xmlns:a16="http://schemas.microsoft.com/office/drawing/2014/main" val="2091266898"/>
+                    </a:ext>
+                  </a:extLst>
+                </a:gridCol>
+                <a:gridCol w="1555328">
+                  <a:extLst>
+                    <a:ext uri="{9D8B030D-6E8A-4147-A177-3AD203B41FA5}">
+                      <a16:colId xmlns:a16="http://schemas.microsoft.com/office/drawing/2014/main" val="513099482"/>
+                    </a:ext>
+                  </a:extLst>
+                </a:gridCol>
+              </a:tblGrid>
+              <a:tr h="270426">
+                <a:tc>
+                  <a:txBody>
+                    <a:bodyPr/>
+                    <a:lstStyle/>
+                    <a:p>
+                      <a:pPr algn="ctr"/>
+                      <a:r>
+                        <a:rPr lang="en-US" sz="1200" dirty="0"/>
+                        <a:t>Model name</a:t>
+                      </a:r>
+                    </a:p>
+                  </a:txBody>
+                  <a:tcPr marL="77552" marR="77552" marT="38775" marB="38775"/>
+                </a:tc>
+                <a:tc>
+                  <a:txBody>
+                    <a:bodyPr/>
+                    <a:lstStyle/>
+                    <a:p>
+                      <a:pPr algn="ctr"/>
+                      <a:r>
+                        <a:rPr lang="en-US" sz="1200" dirty="0"/>
+                        <a:t>RMSE</a:t>
+                      </a:r>
+                    </a:p>
+                  </a:txBody>
+                  <a:tcPr marL="77552" marR="77552" marT="38775" marB="38775"/>
+                </a:tc>
+                <a:tc>
+                  <a:txBody>
+                    <a:bodyPr/>
+                    <a:lstStyle/>
+                    <a:p>
+                      <a:pPr algn="ctr"/>
+                      <a:r>
+                        <a:rPr lang="en-US" sz="1200" dirty="0"/>
+                        <a:t>MAE</a:t>
+                      </a:r>
+                    </a:p>
+                  </a:txBody>
+                  <a:tcPr marL="77552" marR="77552" marT="38775" marB="38775"/>
+                </a:tc>
+                <a:extLst>
+                  <a:ext uri="{0D108BD9-81ED-4DB2-BD59-A6C34878D82A}">
+                    <a16:rowId xmlns:a16="http://schemas.microsoft.com/office/drawing/2014/main" val="1339792530"/>
+                  </a:ext>
+                </a:extLst>
+              </a:tr>
+              <a:tr h="270426">
+                <a:tc>
+                  <a:txBody>
+                    <a:bodyPr/>
+                    <a:lstStyle/>
+                    <a:p>
+                      <a:pPr algn="ctr"/>
+                      <a:r>
+                        <a:rPr lang="en-US" sz="1200" dirty="0"/>
+                        <a:t>KNN</a:t>
+                      </a:r>
+                    </a:p>
+                  </a:txBody>
+                  <a:tcPr marL="77552" marR="77552" marT="38775" marB="38775"/>
+                </a:tc>
+                <a:tc>
+                  <a:txBody>
+                    <a:bodyPr/>
+                    <a:lstStyle/>
+                    <a:p>
+                      <a:pPr algn="ctr"/>
+                      <a:r>
+                        <a:rPr lang="en-US" sz="1200" dirty="0"/>
+                        <a:t>0.8953</a:t>
+                      </a:r>
+                    </a:p>
+                  </a:txBody>
+                  <a:tcPr marL="77552" marR="77552" marT="38775" marB="38775"/>
+                </a:tc>
+                <a:tc>
+                  <a:txBody>
+                    <a:bodyPr/>
+                    <a:lstStyle/>
+                    <a:p>
+                      <a:pPr algn="ctr"/>
+                      <a:r>
+                        <a:rPr lang="en-US" sz="1200" dirty="0"/>
+                        <a:t>0.7044</a:t>
+                      </a:r>
+                    </a:p>
+                  </a:txBody>
+                  <a:tcPr marL="77552" marR="77552" marT="38775" marB="38775"/>
+                </a:tc>
+                <a:extLst>
+                  <a:ext uri="{0D108BD9-81ED-4DB2-BD59-A6C34878D82A}">
+                    <a16:rowId xmlns:a16="http://schemas.microsoft.com/office/drawing/2014/main" val="746201700"/>
+                  </a:ext>
+                </a:extLst>
+              </a:tr>
+              <a:tr h="462373">
+                <a:tc>
+                  <a:txBody>
+                    <a:bodyPr/>
+                    <a:lstStyle/>
+                    <a:p>
+                      <a:pPr algn="ctr"/>
+                      <a:r>
+                        <a:rPr lang="en-US" sz="1200" dirty="0"/>
+                        <a:t>Global K-</a:t>
+                      </a:r>
+                      <a:r>
+                        <a:rPr lang="en-US" sz="1200" dirty="0" err="1"/>
+                        <a:t>Pytorch</a:t>
+                      </a:r>
+                      <a:endParaRPr lang="en-US" sz="1200" dirty="0"/>
+                    </a:p>
+                  </a:txBody>
+                  <a:tcPr marL="77552" marR="77552" marT="38775" marB="38775"/>
+                </a:tc>
+                <a:tc>
+                  <a:txBody>
+                    <a:bodyPr/>
+                    <a:lstStyle/>
+                    <a:p>
+                      <a:pPr algn="ctr"/>
+                      <a:r>
+                        <a:rPr lang="en-US" sz="1200" dirty="0"/>
+                        <a:t>0.9072191</a:t>
+                      </a:r>
+                    </a:p>
+                  </a:txBody>
+                  <a:tcPr marL="77552" marR="77552" marT="38775" marB="38775"/>
+                </a:tc>
+                <a:tc>
+                  <a:txBody>
+                    <a:bodyPr/>
+                    <a:lstStyle/>
+                    <a:p>
+                      <a:pPr algn="ctr"/>
+                      <a:r>
+                        <a:rPr lang="en-US" sz="1200" dirty="0"/>
+                        <a:t>0.71358</a:t>
+                      </a:r>
+                    </a:p>
+                  </a:txBody>
+                  <a:tcPr marL="77552" marR="77552" marT="38775" marB="38775"/>
+                </a:tc>
+                <a:extLst>
+                  <a:ext uri="{0D108BD9-81ED-4DB2-BD59-A6C34878D82A}">
+                    <a16:rowId xmlns:a16="http://schemas.microsoft.com/office/drawing/2014/main" val="1929580919"/>
+                  </a:ext>
+                </a:extLst>
+              </a:tr>
+              <a:tr h="270426">
+                <a:tc>
+                  <a:txBody>
+                    <a:bodyPr/>
+                    <a:lstStyle/>
+                    <a:p>
+                      <a:pPr algn="ctr"/>
+                      <a:r>
+                        <a:rPr lang="en-US" sz="1200" dirty="0"/>
+                        <a:t>Random Forest</a:t>
+                      </a:r>
+                    </a:p>
+                  </a:txBody>
+                  <a:tcPr marL="77552" marR="77552" marT="38775" marB="38775"/>
+                </a:tc>
+                <a:tc>
+                  <a:txBody>
+                    <a:bodyPr/>
+                    <a:lstStyle/>
+                    <a:p>
+                      <a:pPr algn="ctr"/>
+                      <a:r>
+                        <a:rPr lang="en-US" sz="1200" dirty="0"/>
+                        <a:t>0.93305</a:t>
+                      </a:r>
+                    </a:p>
+                  </a:txBody>
+                  <a:tcPr marL="77552" marR="77552" marT="38775" marB="38775"/>
+                </a:tc>
+                <a:tc>
+                  <a:txBody>
+                    <a:bodyPr/>
+                    <a:lstStyle/>
+                    <a:p>
+                      <a:pPr algn="ctr"/>
+                      <a:r>
+                        <a:rPr lang="en-US" sz="1200" dirty="0"/>
+                        <a:t>0.55135</a:t>
+                      </a:r>
+                    </a:p>
+                  </a:txBody>
+                  <a:tcPr marL="77552" marR="77552" marT="38775" marB="38775"/>
+                </a:tc>
+                <a:extLst>
+                  <a:ext uri="{0D108BD9-81ED-4DB2-BD59-A6C34878D82A}">
+                    <a16:rowId xmlns:a16="http://schemas.microsoft.com/office/drawing/2014/main" val="2828278348"/>
+                  </a:ext>
+                </a:extLst>
+              </a:tr>
+              <a:tr h="462373">
+                <a:tc>
+                  <a:txBody>
+                    <a:bodyPr/>
+                    <a:lstStyle/>
+                    <a:p>
+                      <a:pPr algn="ctr"/>
+                      <a:r>
+                        <a:rPr lang="en-US" sz="1200" dirty="0"/>
+                        <a:t>Content based filtering</a:t>
+                      </a:r>
+                    </a:p>
+                  </a:txBody>
+                  <a:tcPr marL="77552" marR="77552" marT="38775" marB="38775"/>
+                </a:tc>
+                <a:tc>
+                  <a:txBody>
+                    <a:bodyPr/>
+                    <a:lstStyle/>
+                    <a:p>
+                      <a:pPr algn="ctr"/>
+                      <a:r>
+                        <a:rPr lang="en-US" sz="1200" dirty="0"/>
+                        <a:t>1.0584</a:t>
+                      </a:r>
+                    </a:p>
+                  </a:txBody>
+                  <a:tcPr marL="77552" marR="77552" marT="38775" marB="38775"/>
+                </a:tc>
+                <a:tc>
+                  <a:txBody>
+                    <a:bodyPr/>
+                    <a:lstStyle/>
+                    <a:p>
+                      <a:pPr algn="ctr"/>
+                      <a:r>
+                        <a:rPr lang="en-US" sz="1200" dirty="0"/>
+                        <a:t>0.6528</a:t>
+                      </a:r>
+                    </a:p>
+                  </a:txBody>
+                  <a:tcPr marL="77552" marR="77552" marT="38775" marB="38775"/>
+                </a:tc>
+                <a:extLst>
+                  <a:ext uri="{0D108BD9-81ED-4DB2-BD59-A6C34878D82A}">
+                    <a16:rowId xmlns:a16="http://schemas.microsoft.com/office/drawing/2014/main" val="3939454555"/>
+                  </a:ext>
+                </a:extLst>
+              </a:tr>
+              <a:tr h="462373">
+                <a:tc>
+                  <a:txBody>
+                    <a:bodyPr/>
+                    <a:lstStyle/>
+                    <a:p>
+                      <a:pPr algn="ctr"/>
+                      <a:r>
+                        <a:rPr lang="en-US" sz="1200" dirty="0"/>
+                        <a:t>Collaborative filtering</a:t>
+                      </a:r>
+                    </a:p>
+                  </a:txBody>
+                  <a:tcPr marL="77552" marR="77552" marT="38775" marB="38775"/>
+                </a:tc>
+                <a:tc>
+                  <a:txBody>
+                    <a:bodyPr/>
+                    <a:lstStyle/>
+                    <a:p>
+                      <a:pPr algn="ctr"/>
+                      <a:r>
+                        <a:rPr lang="en-US" sz="1200" dirty="0"/>
+                        <a:t>0.6410</a:t>
+                      </a:r>
+                    </a:p>
+                  </a:txBody>
+                  <a:tcPr marL="77552" marR="77552" marT="38775" marB="38775"/>
+                </a:tc>
+                <a:tc>
+                  <a:txBody>
+                    <a:bodyPr/>
+                    <a:lstStyle/>
+                    <a:p>
+                      <a:pPr algn="ctr"/>
+                      <a:r>
+                        <a:rPr lang="en-US" sz="1200" dirty="0"/>
+                        <a:t>0.4968</a:t>
+                      </a:r>
+                    </a:p>
+                  </a:txBody>
+                  <a:tcPr marL="77552" marR="77552" marT="38775" marB="38775"/>
+                </a:tc>
+                <a:extLst>
+                  <a:ext uri="{0D108BD9-81ED-4DB2-BD59-A6C34878D82A}">
+                    <a16:rowId xmlns:a16="http://schemas.microsoft.com/office/drawing/2014/main" val="2664006475"/>
+                  </a:ext>
+                </a:extLst>
+              </a:tr>
+            </a:tbl>
+          </a:graphicData>
+        </a:graphic>
+      </p:graphicFrame>
     </p:spTree>
     <p:extLst>
       <p:ext uri="{BB962C8B-B14F-4D97-AF65-F5344CB8AC3E}">
